--- a/Brug af GPT API modeller til at screene.pptx
+++ b/Brug af GPT API modeller til at screene.pptx
@@ -477,6 +477,94 @@
     </a:lvl9pPr>
   </p:notesStyle>
 </p:notesMaster>
+</file>
+
+<file path=ppt/notesSlides/notesSlide1.xml><?xml version="1.0" encoding="utf-8"?>
+<p:notes xmlns:a="http://schemas.openxmlformats.org/drawingml/2006/main" xmlns:r="http://schemas.openxmlformats.org/officeDocument/2006/relationships" xmlns:p="http://schemas.openxmlformats.org/presentationml/2006/main">
+  <p:cSld>
+    <p:spTree>
+      <p:nvGrpSpPr>
+        <p:cNvPr id="1" name=""/>
+        <p:cNvGrpSpPr/>
+        <p:nvPr/>
+      </p:nvGrpSpPr>
+      <p:grpSpPr>
+        <a:xfrm>
+          <a:off x="0" y="0"/>
+          <a:ext cx="0" cy="0"/>
+          <a:chOff x="0" y="0"/>
+          <a:chExt cx="0" cy="0"/>
+        </a:xfrm>
+      </p:grpSpPr>
+      <p:sp>
+        <p:nvSpPr>
+          <p:cNvPr id="2" name="Slide Image Placeholder 1"/>
+          <p:cNvSpPr>
+            <a:spLocks noGrp="1" noRot="1" noChangeAspect="1"/>
+          </p:cNvSpPr>
+          <p:nvPr>
+            <p:ph type="sldImg"/>
+          </p:nvPr>
+        </p:nvSpPr>
+        <p:spPr/>
+      </p:sp>
+      <p:sp>
+        <p:nvSpPr>
+          <p:cNvPr id="3" name="Notes Placeholder 2"/>
+          <p:cNvSpPr>
+            <a:spLocks noGrp="1"/>
+          </p:cNvSpPr>
+          <p:nvPr>
+            <p:ph type="body" idx="1"/>
+          </p:nvPr>
+        </p:nvSpPr>
+        <p:spPr/>
+        <p:txBody>
+          <a:bodyPr/>
+          <a:lstStyle/>
+          <a:p>
+            <a:r>
+              <a:rPr lang="da-DK" dirty="0"/>
+              <a:t>Problemet vil kun vokser over tid i takt med at der kommer flere og flere forskningsstudier i databaserne. </a:t>
+            </a:r>
+            <a:endParaRPr lang="en-US" dirty="0"/>
+          </a:p>
+        </p:txBody>
+      </p:sp>
+      <p:sp>
+        <p:nvSpPr>
+          <p:cNvPr id="4" name="Slide Number Placeholder 3"/>
+          <p:cNvSpPr>
+            <a:spLocks noGrp="1"/>
+          </p:cNvSpPr>
+          <p:nvPr>
+            <p:ph type="sldNum" sz="quarter" idx="5"/>
+          </p:nvPr>
+        </p:nvSpPr>
+        <p:spPr/>
+        <p:txBody>
+          <a:bodyPr/>
+          <a:lstStyle/>
+          <a:p>
+            <a:fld id="{A4F50FAE-CBEA-4494-871D-803C25DC58A1}" type="slidenum">
+              <a:rPr lang="da-DK" smtClean="0"/>
+              <a:t>3</a:t>
+            </a:fld>
+            <a:endParaRPr lang="da-DK" dirty="0"/>
+          </a:p>
+        </p:txBody>
+      </p:sp>
+    </p:spTree>
+    <p:extLst>
+      <p:ext uri="{BB962C8B-B14F-4D97-AF65-F5344CB8AC3E}">
+        <p14:creationId xmlns:p14="http://schemas.microsoft.com/office/powerpoint/2010/main" val="1304750714"/>
+      </p:ext>
+    </p:extLst>
+  </p:cSld>
+  <p:clrMapOvr>
+    <a:masterClrMapping/>
+  </p:clrMapOvr>
+</p:notes>
 </file>
 
 <file path=ppt/slideLayouts/slideLayout1.xml><?xml version="1.0" encoding="utf-8"?>
@@ -32606,7 +32694,7 @@
             </a:pPr>
             <a:r>
               <a:rPr lang="da-DK" dirty="0"/>
-              <a:t>1. At give jer i praktisk indblik i, hvordan man screener titler og abstracts med GPT API modeller.</a:t>
+              <a:t>1. At give jer et praktisk indblik i, hvordan man screener titler og abstracts med GPT API modeller.</a:t>
             </a:r>
           </a:p>
           <a:p>
@@ -32802,7 +32890,7 @@
               <a:buNone/>
             </a:pPr>
             <a:r>
-              <a:rPr lang="da-DK" dirty="0"/>
+              <a:rPr lang="da-DK" b="1" i="1" dirty="0"/>
               <a:t>Af kvalitetsmæssige grunde</a:t>
             </a:r>
           </a:p>
@@ -32831,7 +32919,7 @@
               <a:buNone/>
             </a:pPr>
             <a:r>
-              <a:rPr lang="da-DK" dirty="0"/>
+              <a:rPr lang="da-DK" b="1" i="1" dirty="0"/>
               <a:t>Af ressourcemæssige grunde</a:t>
             </a:r>
           </a:p>

--- a/Brug af GPT API modeller til at screene.pptx
+++ b/Brug af GPT API modeller til at screene.pptx
@@ -212,7 +212,7 @@
           <a:p>
             <a:fld id="{7BEB8190-3B91-4E7B-8634-E458355F2E20}" type="datetimeFigureOut">
               <a:rPr lang="da-DK" smtClean="0"/>
-              <a:t>27-01-2025</a:t>
+              <a:t>30-01-2025</a:t>
             </a:fld>
             <a:endParaRPr lang="da-DK" dirty="0"/>
           </a:p>
@@ -31342,7 +31342,7 @@
             </a:r>
             <a:r>
               <a:rPr lang="da-DK" sz="1200" dirty="0"/>
-              <a:t> (0.1.0). CRAN. https://doi.org/10.32614/CRAN.package.AIscreenR</a:t>
+              <a:t> (0.1.1). CRAN. https://doi.org/10.32614/CRAN.package.AIscreenR</a:t>
             </a:r>
             <a:endParaRPr lang="en-US" sz="1200" dirty="0"/>
           </a:p>
@@ -32676,10 +32676,33 @@
             <p:ph type="body" sz="quarter" idx="10"/>
           </p:nvPr>
         </p:nvSpPr>
-        <p:spPr/>
+        <p:spPr>
+          <a:xfrm>
+            <a:off x="716400" y="1565247"/>
+            <a:ext cx="10733003" cy="4637144"/>
+          </a:xfrm>
+        </p:spPr>
         <p:txBody>
           <a:bodyPr/>
           <a:lstStyle/>
+          <a:p>
+            <a:pPr marL="0" indent="0">
+              <a:buNone/>
+            </a:pPr>
+            <a:r>
+              <a:rPr lang="da-DK" dirty="0"/>
+              <a:t>     </a:t>
+            </a:r>
+          </a:p>
+          <a:p>
+            <a:pPr marL="0" indent="0">
+              <a:buNone/>
+            </a:pPr>
+            <a:r>
+              <a:rPr lang="da-DK" dirty="0"/>
+              <a:t>     1. At give jer et praktisk indblik i, hvordan man screener titler og abstracts med GPT API modeller.</a:t>
+            </a:r>
+          </a:p>
           <a:p>
             <a:pPr marL="342900" indent="-342900">
               <a:buFont typeface="+mj-lt"/>
@@ -32694,7 +32717,7 @@
             </a:pPr>
             <a:r>
               <a:rPr lang="da-DK" dirty="0"/>
-              <a:t>1. At give jer et praktisk indblik i, hvordan man screener titler og abstracts med GPT API modeller.</a:t>
+              <a:t>2. At give jer indblik i hvor stærkt et værktøj vi har med at gøre.</a:t>
             </a:r>
           </a:p>
           <a:p>
@@ -32711,7 +32734,7 @@
             </a:pPr>
             <a:r>
               <a:rPr lang="da-DK" dirty="0"/>
-              <a:t>2. At give jer indblik i hvor stærkt et værktøj vi har med at gøre samt viser jer hvordan man kvalitetstester denne type screeninger.</a:t>
+              <a:t>3. At viser jer hvordan (vi foreslår) man kvalitetstester denne type screeninger.</a:t>
             </a:r>
           </a:p>
           <a:p>
@@ -32728,7 +32751,7 @@
             </a:pPr>
             <a:r>
               <a:rPr lang="da-DK" dirty="0"/>
-              <a:t>3. At diskutere (hvis tiden tillader os det) at diskutere fordele, ulemper og fremtidige perspektiver knyttet til denne screeningsmetode</a:t>
+              <a:t>4. At diskutere (hvis tiden tillader os det) at diskutere fordele, ulemper og fremtidige perspektiver knyttet til denne screeningsmetode</a:t>
             </a:r>
           </a:p>
           <a:p>
@@ -32738,7 +32761,43 @@
             <a:endParaRPr lang="da-DK" dirty="0"/>
           </a:p>
           <a:p>
-            <a:endParaRPr lang="en-US" dirty="0"/>
+            <a:pPr marL="0" indent="0">
+              <a:buNone/>
+            </a:pPr>
+            <a:r>
+              <a:rPr lang="da-DK" sz="1400" dirty="0"/>
+              <a:t>Alt materiale bag præsentationen kan findes her: </a:t>
+            </a:r>
+            <a:r>
+              <a:rPr lang="da-DK" sz="1400" dirty="0">
+                <a:hlinkClick r:id="rId2"/>
+              </a:rPr>
+              <a:t>https://github.com/MikkelVembye/SR-Network-Presentation</a:t>
+            </a:r>
+            <a:r>
+              <a:rPr lang="da-DK" sz="1400" dirty="0"/>
+              <a:t>   </a:t>
+            </a:r>
+          </a:p>
+          <a:p>
+            <a:pPr marL="0" indent="0">
+              <a:buNone/>
+            </a:pPr>
+            <a:r>
+              <a:rPr lang="da-DK" sz="1400" dirty="0"/>
+              <a:t>Artiklen bag vores arbejde kan finde her:  </a:t>
+            </a:r>
+            <a:r>
+              <a:rPr lang="da-DK" sz="1400" dirty="0">
+                <a:hlinkClick r:id="rId3"/>
+              </a:rPr>
+              <a:t>https://osf.io/preprints/osf/yrhzm_v1</a:t>
+            </a:r>
+            <a:r>
+              <a:rPr lang="da-DK" sz="1400" dirty="0"/>
+              <a:t> </a:t>
+            </a:r>
+            <a:endParaRPr lang="en-US" sz="1400" dirty="0"/>
           </a:p>
         </p:txBody>
       </p:sp>
@@ -32765,7 +32824,7 @@
           <a:p>
             <a:r>
               <a:rPr lang="da-DK" dirty="0"/>
-              <a:t>Præsentations formål</a:t>
+              <a:t>Dagens formål</a:t>
             </a:r>
             <a:endParaRPr lang="en-US" dirty="0"/>
           </a:p>
@@ -33124,12 +33183,18 @@
             </a:r>
           </a:p>
           <a:p>
+            <a:endParaRPr lang="da-DK" b="1" dirty="0"/>
+          </a:p>
+          <a:p>
             <a:r>
               <a:rPr lang="da-DK" dirty="0"/>
               <a:t>Vi har udviklet R pakken AIscreenR til dette formål.</a:t>
             </a:r>
           </a:p>
           <a:p>
+            <a:endParaRPr lang="da-DK" dirty="0"/>
+          </a:p>
+          <a:p>
             <a:r>
               <a:rPr lang="da-DK" dirty="0"/>
               <a:t>Vores foreløbige resultater viser, at GPT API modeller performer på linje med menneske </a:t>
@@ -33150,6 +33215,9 @@
               <a:rPr lang="da-DK" dirty="0"/>
               <a:t> med mange inklusionskriterier. </a:t>
             </a:r>
+          </a:p>
+          <a:p>
+            <a:endParaRPr lang="da-DK" dirty="0"/>
           </a:p>
           <a:p>
             <a:r>
@@ -33430,7 +33498,12 @@
             <p:ph type="title"/>
           </p:nvPr>
         </p:nvSpPr>
-        <p:spPr/>
+        <p:spPr>
+          <a:xfrm>
+            <a:off x="1013521" y="1012924"/>
+            <a:ext cx="3643540" cy="762713"/>
+          </a:xfrm>
+        </p:spPr>
         <p:txBody>
           <a:bodyPr/>
           <a:lstStyle/>
@@ -33462,18 +33535,12 @@
         <p:spPr>
           <a:xfrm>
             <a:off x="1013520" y="2668380"/>
-            <a:ext cx="9304524" cy="3825882"/>
+            <a:ext cx="7513792" cy="3923806"/>
           </a:xfrm>
         </p:spPr>
         <p:txBody>
           <a:bodyPr/>
           <a:lstStyle/>
-          <a:p>
-            <a:pPr marL="0" indent="0">
-              <a:buNone/>
-            </a:pPr>
-            <a:endParaRPr lang="da-DK" i="1" dirty="0"/>
-          </a:p>
           <a:p>
             <a:pPr marL="0" indent="0">
               <a:buNone/>
@@ -33558,7 +33625,7 @@
         </p:blipFill>
         <p:spPr>
           <a:xfrm>
-            <a:off x="9272605" y="248850"/>
+            <a:off x="9087603" y="2024488"/>
             <a:ext cx="2090877" cy="2419530"/>
           </a:xfrm>
           <a:prstGeom prst="rect">

--- a/Brug af GPT API modeller til at screene.pptx
+++ b/Brug af GPT API modeller til at screene.pptx
@@ -29628,8 +29628,8 @@
         </p:nvSpPr>
         <p:spPr>
           <a:xfrm>
-            <a:off x="750813" y="3906433"/>
-            <a:ext cx="4635085" cy="306383"/>
+            <a:off x="750813" y="3732047"/>
+            <a:ext cx="4635085" cy="656943"/>
           </a:xfrm>
         </p:spPr>
         <p:txBody>
@@ -29640,6 +29640,18 @@
               <a:rPr lang="da-DK" dirty="0"/>
               <a:t>Mikkel Helding Vembye, PhD</a:t>
             </a:r>
+          </a:p>
+          <a:p>
+            <a:r>
+              <a:rPr lang="da-DK" dirty="0"/>
+              <a:t>Forsker, VIVE</a:t>
+            </a:r>
+          </a:p>
+          <a:p>
+            <a:endParaRPr lang="da-DK" dirty="0"/>
+          </a:p>
+          <a:p>
+            <a:endParaRPr lang="da-DK" dirty="0"/>
           </a:p>
         </p:txBody>
       </p:sp>
@@ -29702,7 +29714,7 @@
         </p:nvSpPr>
         <p:spPr>
           <a:xfrm>
-            <a:off x="750813" y="4212816"/>
+            <a:off x="750813" y="4699371"/>
             <a:ext cx="4635085" cy="306383"/>
           </a:xfrm>
         </p:spPr>
@@ -32679,7 +32691,7 @@
         <p:spPr>
           <a:xfrm>
             <a:off x="716400" y="1565247"/>
-            <a:ext cx="10733003" cy="4637144"/>
+            <a:ext cx="10733003" cy="4906664"/>
           </a:xfrm>
         </p:spPr>
         <p:txBody>
@@ -32751,7 +32763,7 @@
             </a:pPr>
             <a:r>
               <a:rPr lang="da-DK" dirty="0"/>
-              <a:t>4. At diskutere (hvis tiden tillader os det) at diskutere fordele, ulemper og fremtidige perspektiver knyttet til denne screeningsmetode</a:t>
+              <a:t>4. At diskutere at diskutere fordele, ulemper og fremtidige perspektiver knyttet til denne screeningsmetode</a:t>
             </a:r>
           </a:p>
           <a:p>
@@ -32759,6 +32771,12 @@
               <a:buNone/>
             </a:pPr>
             <a:endParaRPr lang="da-DK" dirty="0"/>
+          </a:p>
+          <a:p>
+            <a:pPr marL="0" indent="0">
+              <a:buNone/>
+            </a:pPr>
+            <a:endParaRPr lang="da-DK" sz="1400" dirty="0"/>
           </a:p>
           <a:p>
             <a:pPr marL="0" indent="0">
@@ -32785,7 +32803,7 @@
             </a:pPr>
             <a:r>
               <a:rPr lang="da-DK" sz="1400" dirty="0"/>
-              <a:t>Artiklen bag vores arbejde kan finde her:  </a:t>
+              <a:t>Artiklen bag vores arbejde kan findes her:  </a:t>
             </a:r>
             <a:r>
               <a:rPr lang="da-DK" sz="1400" dirty="0">
@@ -32938,7 +32956,7 @@
         <p:spPr>
           <a:xfrm>
             <a:off x="937844" y="1389386"/>
-            <a:ext cx="10158611" cy="5087087"/>
+            <a:ext cx="10158611" cy="5255963"/>
           </a:xfrm>
         </p:spPr>
         <p:txBody>
@@ -32957,7 +32975,7 @@
             <a:pPr lvl="1"/>
             <a:r>
               <a:rPr lang="da-DK" dirty="0"/>
-              <a:t>Mennesker overser ofte relevant studier af forskellige grunde. State of the art er derfor at udføre menneskelig dobbelt-screening for at forhindre dette. Dette er dog dyrt.</a:t>
+              <a:t>Mennesker overser ofte relevant studier af forskellige grunde. State of the art er derfor at udføre menneskelig dobbelt-screening for at forhindre dette. Dette er dog dyrt. Mange forskningsgrupper har ikke råd til dobbelt-screening.</a:t>
             </a:r>
           </a:p>
           <a:p>
@@ -32994,7 +33012,7 @@
             </a:r>
             <a:r>
               <a:rPr lang="da-DK" dirty="0"/>
-              <a:t> bruger vi ca. 3-5 måneder på denne proces. I store </a:t>
+              <a:t> bruger vi ca. 5 måneder på denne proces. I store </a:t>
             </a:r>
             <a:r>
               <a:rPr lang="da-DK" dirty="0" err="1"/>
@@ -33009,15 +33027,7 @@
             <a:pPr lvl="1"/>
             <a:r>
               <a:rPr lang="da-DK" dirty="0"/>
-              <a:t>Det er kedelige manuelt arbejde (som er dyrt). Mange forskningsgrupper har ikke råd til </a:t>
-            </a:r>
-            <a:r>
-              <a:rPr lang="da-DK" dirty="0" err="1"/>
-              <a:t>dobbel</a:t>
-            </a:r>
-            <a:r>
-              <a:rPr lang="da-DK" dirty="0"/>
-              <a:t>-screening.</a:t>
+              <a:t>Det er kedelige manuelt arbejde.</a:t>
             </a:r>
           </a:p>
           <a:p>
